--- a/Machine_Learning_10-12-2016.pptx
+++ b/Machine_Learning_10-12-2016.pptx
@@ -16265,7 +16265,7 @@
         </p:spPr>
         <p:txBody>
           <a:bodyPr>
-            <a:normAutofit fontScale="77500" lnSpcReduction="20000"/>
+            <a:normAutofit fontScale="92500"/>
           </a:bodyPr>
           <a:lstStyle/>
           <a:p>
@@ -16419,75 +16419,6 @@
             <a:endParaRPr lang="en-US" i="1" dirty="0" smtClean="0"/>
           </a:p>
           <a:p>
-            <a:endParaRPr lang="en-US" i="1" dirty="0" smtClean="0"/>
-          </a:p>
-          <a:p>
-            <a:r>
-              <a:rPr lang="en-US" i="1" dirty="0">
-                <a:hlinkClick r:id="rId5"/>
-              </a:rPr>
-              <a:t>www.cs.kent.edu/~jin/DM07/</a:t>
-            </a:r>
-            <a:r>
-              <a:rPr lang="en-US" b="1" i="1" dirty="0" smtClean="0">
-                <a:hlinkClick r:id="rId5"/>
-              </a:rPr>
-              <a:t>ClassificationDecisionTree</a:t>
-            </a:r>
-            <a:r>
-              <a:rPr lang="en-US" i="1" dirty="0" smtClean="0">
-                <a:hlinkClick r:id="rId5"/>
-              </a:rPr>
-              <a:t>.</a:t>
-            </a:r>
-            <a:r>
-              <a:rPr lang="en-US" b="1" i="1" dirty="0" smtClean="0">
-                <a:hlinkClick r:id="rId5"/>
-              </a:rPr>
-              <a:t>ppt</a:t>
-            </a:r>
-            <a:endParaRPr lang="en-US" b="1" i="1" dirty="0" smtClean="0"/>
-          </a:p>
-          <a:p>
-            <a:endParaRPr lang="en-US" b="1" i="1" dirty="0" smtClean="0"/>
-          </a:p>
-          <a:p>
-            <a:r>
-              <a:rPr lang="en-US" i="1" dirty="0">
-                <a:hlinkClick r:id="rId6"/>
-              </a:rPr>
-              <a:t>www.cs.uoi.gr/~tsap/teaching/2012s.../</a:t>
-            </a:r>
-            <a:r>
-              <a:rPr lang="en-US" b="1" i="1" dirty="0">
-                <a:hlinkClick r:id="rId6"/>
-              </a:rPr>
-              <a:t>datamining</a:t>
-            </a:r>
-            <a:r>
-              <a:rPr lang="en-US" i="1" dirty="0">
-                <a:hlinkClick r:id="rId6"/>
-              </a:rPr>
-              <a:t>-</a:t>
-            </a:r>
-            <a:r>
-              <a:rPr lang="en-US" b="1" i="1" dirty="0">
-                <a:hlinkClick r:id="rId6"/>
-              </a:rPr>
-              <a:t>lect10</a:t>
-            </a:r>
-            <a:r>
-              <a:rPr lang="en-US" i="1" dirty="0">
-                <a:hlinkClick r:id="rId6"/>
-              </a:rPr>
-              <a:t>.</a:t>
-            </a:r>
-            <a:r>
-              <a:rPr lang="en-US" i="1" dirty="0" smtClean="0">
-                <a:hlinkClick r:id="rId6"/>
-              </a:rPr>
-              <a:t>pdf</a:t>
-            </a:r>
             <a:endParaRPr lang="en-US" i="1" dirty="0" smtClean="0"/>
           </a:p>
           <a:p>
